--- a/Zookeeper.pptx
+++ b/Zookeeper.pptx
@@ -115,6 +115,11 @@
       </a:defRPr>
     </a:lvl9pPr>
   </p:defaultTextStyle>
+  <p:extLst>
+    <p:ext uri="{EFAFB233-063F-42B5-8137-9DF3F51BA10A}">
+      <p15:sldGuideLst xmlns:p15="http://schemas.microsoft.com/office/powerpoint/2012/main"/>
+    </p:ext>
+  </p:extLst>
 </p:presentation>
 </file>
 
@@ -5404,11 +5409,11 @@
             </a:r>
             <a:r>
               <a:rPr lang="en-IN" sz="1400" b="1" dirty="0"/>
-              <a:t>/local/zookeeper/config/</a:t>
+              <a:t>/local/zookeeper/conf/</a:t>
             </a:r>
             <a:r>
               <a:rPr lang="en-IN" sz="1400" b="1" dirty="0" err="1"/>
-              <a:t>Zoo.cfg</a:t>
+              <a:t>zoo.cfg</a:t>
             </a:r>
             <a:r>
               <a:rPr lang="en-IN" sz="1400" b="1" dirty="0"/>
@@ -5522,11 +5527,11 @@
             </a:r>
             <a:r>
               <a:rPr lang="en-IN" sz="1400" b="1" dirty="0"/>
-              <a:t>/local/zookeeper/config/</a:t>
+              <a:t>/local/zookeeper/conf/</a:t>
             </a:r>
             <a:r>
               <a:rPr lang="en-IN" sz="1400" b="1" dirty="0" err="1"/>
-              <a:t>Zoo.cfg</a:t>
+              <a:t>zoo.cfg</a:t>
             </a:r>
             <a:r>
               <a:rPr lang="en-IN" sz="1400" b="1" dirty="0"/>
@@ -5640,11 +5645,11 @@
             </a:r>
             <a:r>
               <a:rPr lang="en-IN" sz="1400" b="1" dirty="0"/>
-              <a:t>/local/zookeeper/config/</a:t>
+              <a:t>/local/zookeeper/conf/</a:t>
             </a:r>
             <a:r>
               <a:rPr lang="en-IN" sz="1400" b="1" dirty="0" err="1"/>
-              <a:t>Zoo.cfg</a:t>
+              <a:t>zoo.cfg</a:t>
             </a:r>
             <a:r>
               <a:rPr lang="en-IN" sz="1400" b="1" dirty="0"/>
@@ -5815,7 +5820,7 @@
           <a:p>
             <a:r>
               <a:rPr lang="en-IN" sz="1400" dirty="0"/>
-              <a:t>Echo “1” &gt; /var/zookeeper/</a:t>
+              <a:t>echo “1” &gt; /var/zookeeper/</a:t>
             </a:r>
             <a:r>
               <a:rPr lang="en-IN" sz="1400" dirty="0" err="1"/>
@@ -5846,7 +5851,7 @@
           <a:p>
             <a:r>
               <a:rPr lang="en-IN" sz="1400" dirty="0"/>
-              <a:t>Echo “2” &gt; /var/zookeeper/</a:t>
+              <a:t>echo “2” &gt; /var/zookeeper/</a:t>
             </a:r>
             <a:r>
               <a:rPr lang="en-IN" sz="1400" dirty="0" err="1"/>
@@ -5877,7 +5882,7 @@
           <a:p>
             <a:r>
               <a:rPr lang="en-IN" sz="1400" dirty="0"/>
-              <a:t>Echo “3” &gt; /var/zookeeper/</a:t>
+              <a:t>echo “3” &gt; /var/zookeeper/</a:t>
             </a:r>
             <a:r>
               <a:rPr lang="en-IN" sz="1400" dirty="0" err="1"/>
@@ -5895,12 +5900,9 @@
             </a:r>
           </a:p>
           <a:p>
-            <a:endParaRPr lang="en-IN" b="1" dirty="0"/>
-          </a:p>
-          <a:p>
             <a:r>
               <a:rPr lang="en-IN" sz="1400" dirty="0" err="1"/>
-              <a:t>Gedit</a:t>
+              <a:t>gedit</a:t>
             </a:r>
             <a:r>
               <a:rPr lang="en-IN" sz="1400" dirty="0"/>
@@ -5918,7 +5920,7 @@
           <a:p>
             <a:r>
               <a:rPr lang="en-IN" sz="1400" dirty="0"/>
-              <a:t>$ZOOKEEPER_HOME=‘/</a:t>
+              <a:t>export ZOOKEEPER_HOME=/</a:t>
             </a:r>
             <a:r>
               <a:rPr lang="en-IN" sz="1400" dirty="0" err="1"/>
@@ -5926,17 +5928,34 @@
             </a:r>
             <a:r>
               <a:rPr lang="en-IN" sz="1400" dirty="0"/>
-              <a:t>/local/zookeeper/bin’</a:t>
+              <a:t>/local/zookeeper</a:t>
             </a:r>
           </a:p>
           <a:p>
             <a:r>
               <a:rPr lang="en-IN" sz="1400" dirty="0"/>
-              <a:t>$PATH=‘$PATH:$ZOOKEEPER_HOME’</a:t>
-            </a:r>
-          </a:p>
-          <a:p>
-            <a:endParaRPr lang="en-IN" b="1" dirty="0"/>
+              <a:t>export PATH=$PATH:$ZOOKEEPER_HOME/bin</a:t>
+            </a:r>
+          </a:p>
+          <a:p>
+            <a:endParaRPr lang="en-IN" sz="1200" dirty="0"/>
+          </a:p>
+          <a:p>
+            <a:r>
+              <a:rPr lang="en-IN" sz="1200" b="1" dirty="0"/>
+              <a:t>Run this after making change </a:t>
+            </a:r>
+          </a:p>
+          <a:p>
+            <a:r>
+              <a:rPr lang="en-IN" sz="1200" dirty="0"/>
+              <a:t>source ~/.</a:t>
+            </a:r>
+            <a:r>
+              <a:rPr lang="en-IN" sz="1200" dirty="0" err="1"/>
+              <a:t>bashrc</a:t>
+            </a:r>
+            <a:endParaRPr lang="en-IN" sz="1200" dirty="0"/>
           </a:p>
           <a:p>
             <a:endParaRPr lang="en-IN" b="1" dirty="0"/>
